--- a/State of the Sun_Group1 PPT_032018.pptx
+++ b/State of the Sun_Group1 PPT_032018.pptx
@@ -238,7 +238,7 @@
           <a:p>
             <a:fld id="{20EA5F0D-C1DC-412F-A146-DDB3A74B588F}" type="datetimeFigureOut">
               <a:rPr lang="en-US"/>
-              <a:t>3/20/2018</a:t>
+              <a:t>3/21/2018</a:t>
             </a:fld>
             <a:endParaRPr/>
           </a:p>
@@ -403,7 +403,7 @@
           <a:p>
             <a:fld id="{A8CDE508-72C8-4AB5-AA9C-1584D31690E0}" type="datetimeFigureOut">
               <a:rPr lang="en-US"/>
-              <a:t>3/20/2018</a:t>
+              <a:t>3/21/2018</a:t>
             </a:fld>
             <a:endParaRPr/>
           </a:p>
@@ -1383,7 +1383,7 @@
             <a:fld id="{B61BEF0D-F0BB-DE4B-95CE-6DB70DBA9567}" type="datetimeFigureOut">
               <a:rPr lang="en-US" smtClean="0"/>
               <a:pPr/>
-              <a:t>3/20/2018</a:t>
+              <a:t>3/21/2018</a:t>
             </a:fld>
             <a:endParaRPr lang="en-US" dirty="0"/>
           </a:p>
@@ -1566,7 +1566,7 @@
           <a:p>
             <a:fld id="{9E583DDF-CA54-461A-A486-592D2374C532}" type="datetimeFigureOut">
               <a:rPr lang="en-US" smtClean="0"/>
-              <a:t>3/20/2018</a:t>
+              <a:t>3/21/2018</a:t>
             </a:fld>
             <a:endParaRPr lang="en-US"/>
           </a:p>
@@ -1801,7 +1801,7 @@
           <a:p>
             <a:fld id="{9E583DDF-CA54-461A-A486-592D2374C532}" type="datetimeFigureOut">
               <a:rPr lang="en-US" smtClean="0"/>
-              <a:t>3/20/2018</a:t>
+              <a:t>3/21/2018</a:t>
             </a:fld>
             <a:endParaRPr lang="en-US"/>
           </a:p>
@@ -1993,7 +1993,7 @@
           <a:p>
             <a:fld id="{9E583DDF-CA54-461A-A486-592D2374C532}" type="datetimeFigureOut">
               <a:rPr lang="en-US" smtClean="0"/>
-              <a:t>3/20/2018</a:t>
+              <a:t>3/21/2018</a:t>
             </a:fld>
             <a:endParaRPr lang="en-US" dirty="0"/>
           </a:p>
@@ -2311,7 +2311,7 @@
           <a:p>
             <a:fld id="{9E583DDF-CA54-461A-A486-592D2374C532}" type="datetimeFigureOut">
               <a:rPr lang="en-US" smtClean="0"/>
-              <a:t>3/20/2018</a:t>
+              <a:t>3/21/2018</a:t>
             </a:fld>
             <a:endParaRPr lang="en-US"/>
           </a:p>
@@ -2627,7 +2627,7 @@
           <a:p>
             <a:fld id="{9DD7D43D-6574-4C7B-808D-C6C12215A4D4}" type="datetimeFigureOut">
               <a:rPr lang="en-US" smtClean="0"/>
-              <a:t>3/20/2018</a:t>
+              <a:t>3/21/2018</a:t>
             </a:fld>
             <a:endParaRPr lang="en-US"/>
           </a:p>
@@ -3061,7 +3061,7 @@
           <a:p>
             <a:fld id="{9E583DDF-CA54-461A-A486-592D2374C532}" type="datetimeFigureOut">
               <a:rPr lang="en-US" smtClean="0"/>
-              <a:t>3/20/2018</a:t>
+              <a:t>3/21/2018</a:t>
             </a:fld>
             <a:endParaRPr lang="en-US"/>
           </a:p>
@@ -3191,7 +3191,7 @@
           <a:p>
             <a:fld id="{9E583DDF-CA54-461A-A486-592D2374C532}" type="datetimeFigureOut">
               <a:rPr lang="en-US" smtClean="0"/>
-              <a:t>3/20/2018</a:t>
+              <a:t>3/21/2018</a:t>
             </a:fld>
             <a:endParaRPr lang="en-US"/>
           </a:p>
@@ -3299,7 +3299,7 @@
             <a:fld id="{9E583DDF-CA54-461A-A486-592D2374C532}" type="datetimeFigureOut">
               <a:rPr lang="en-US" smtClean="0"/>
               <a:pPr/>
-              <a:t>3/20/2018</a:t>
+              <a:t>3/21/2018</a:t>
             </a:fld>
             <a:endParaRPr lang="en-US"/>
           </a:p>
@@ -3585,7 +3585,7 @@
           <a:p>
             <a:fld id="{9E583DDF-CA54-461A-A486-592D2374C532}" type="datetimeFigureOut">
               <a:rPr lang="en-US" smtClean="0"/>
-              <a:t>3/20/2018</a:t>
+              <a:t>3/21/2018</a:t>
             </a:fld>
             <a:endParaRPr lang="en-US"/>
           </a:p>
@@ -3862,7 +3862,7 @@
           <a:p>
             <a:fld id="{9E583DDF-CA54-461A-A486-592D2374C532}" type="datetimeFigureOut">
               <a:rPr lang="en-US" smtClean="0"/>
-              <a:t>3/20/2018</a:t>
+              <a:t>3/21/2018</a:t>
             </a:fld>
             <a:endParaRPr lang="en-US"/>
           </a:p>
@@ -4124,7 +4124,7 @@
             <a:fld id="{9E583DDF-CA54-461A-A486-592D2374C532}" type="datetimeFigureOut">
               <a:rPr lang="en-US" smtClean="0"/>
               <a:pPr/>
-              <a:t>3/20/2018</a:t>
+              <a:t>3/21/2018</a:t>
             </a:fld>
             <a:endParaRPr lang="en-US" dirty="0"/>
           </a:p>
@@ -4848,13 +4848,13 @@
   <p:clrMapOvr>
     <a:masterClrMapping/>
   </p:clrMapOvr>
-  <mc:AlternateContent xmlns:mc="http://schemas.openxmlformats.org/markup-compatibility/2006">
-    <mc:Choice xmlns:p14="http://schemas.microsoft.com/office/powerpoint/2010/main" Requires="p14">
+  <mc:AlternateContent xmlns:mc="http://schemas.openxmlformats.org/markup-compatibility/2006" xmlns:p14="http://schemas.microsoft.com/office/powerpoint/2010/main">
+    <mc:Choice Requires="p14">
       <p:transition spd="med" p14:dur="700">
         <p:fade/>
       </p:transition>
     </mc:Choice>
-    <mc:Fallback>
+    <mc:Fallback xmlns="">
       <p:transition spd="med">
         <p:fade/>
       </p:transition>
@@ -6559,36 +6559,6 @@
       </p:sp>
       <p:pic>
         <p:nvPicPr>
-          <p:cNvPr id="5" name="Picture 4">
-            <a:extLst>
-              <a:ext uri="{FF2B5EF4-FFF2-40B4-BE49-F238E27FC236}">
-                <a16:creationId xmlns:a16="http://schemas.microsoft.com/office/drawing/2014/main" id="{CF8C7491-75B2-455A-BEB9-C92241FAE419}"/>
-              </a:ext>
-            </a:extLst>
-          </p:cNvPr>
-          <p:cNvPicPr>
-            <a:picLocks noChangeAspect="1"/>
-          </p:cNvPicPr>
-          <p:nvPr/>
-        </p:nvPicPr>
-        <p:blipFill>
-          <a:blip r:embed="rId3"/>
-          <a:stretch>
-            <a:fillRect/>
-          </a:stretch>
-        </p:blipFill>
-        <p:spPr>
-          <a:xfrm>
-            <a:off x="6094959" y="2438400"/>
-            <a:ext cx="4031488" cy="3779520"/>
-          </a:xfrm>
-          <a:prstGeom prst="rect">
-            <a:avLst/>
-          </a:prstGeom>
-        </p:spPr>
-      </p:pic>
-      <p:pic>
-        <p:nvPicPr>
           <p:cNvPr id="6" name="Picture 5">
             <a:extLst>
               <a:ext uri="{FF2B5EF4-FFF2-40B4-BE49-F238E27FC236}">
@@ -6602,14 +6572,14 @@
           <p:nvPr/>
         </p:nvPicPr>
         <p:blipFill rotWithShape="1">
-          <a:blip r:embed="rId4"/>
+          <a:blip r:embed="rId3"/>
           <a:srcRect t="7722" r="10000" b="35002"/>
           <a:stretch/>
         </p:blipFill>
         <p:spPr>
           <a:xfrm>
             <a:off x="609600" y="2575560"/>
-            <a:ext cx="4819650" cy="3505200"/>
+            <a:ext cx="5309018" cy="3861104"/>
           </a:xfrm>
           <a:prstGeom prst="rect">
             <a:avLst/>
@@ -6632,7 +6602,7 @@
         </p:nvSpPr>
         <p:spPr>
           <a:xfrm>
-            <a:off x="10363200" y="3124200"/>
+            <a:off x="6858000" y="2011680"/>
             <a:ext cx="3445281" cy="4206240"/>
           </a:xfrm>
           <a:prstGeom prst="rect">
@@ -6885,6 +6855,36 @@
           </a:p>
         </p:txBody>
       </p:sp>
+      <p:pic>
+        <p:nvPicPr>
+          <p:cNvPr id="7" name="Picture 6">
+            <a:extLst>
+              <a:ext uri="{FF2B5EF4-FFF2-40B4-BE49-F238E27FC236}">
+                <a16:creationId xmlns:a16="http://schemas.microsoft.com/office/drawing/2014/main" id="{203062E4-215B-4539-BE1C-51CBFE272266}"/>
+              </a:ext>
+            </a:extLst>
+          </p:cNvPr>
+          <p:cNvPicPr>
+            <a:picLocks noChangeAspect="1"/>
+          </p:cNvPicPr>
+          <p:nvPr/>
+        </p:nvPicPr>
+        <p:blipFill>
+          <a:blip r:embed="rId4"/>
+          <a:stretch>
+            <a:fillRect/>
+          </a:stretch>
+        </p:blipFill>
+        <p:spPr>
+          <a:xfrm>
+            <a:off x="8533760" y="2575560"/>
+            <a:ext cx="3139198" cy="3861104"/>
+          </a:xfrm>
+          <a:prstGeom prst="rect">
+            <a:avLst/>
+          </a:prstGeom>
+        </p:spPr>
+      </p:pic>
     </p:spTree>
     <p:extLst>
       <p:ext uri="{BB962C8B-B14F-4D97-AF65-F5344CB8AC3E}">
@@ -6961,7 +6961,7 @@
         </p:nvSpPr>
         <p:spPr>
           <a:xfrm>
-            <a:off x="3735700" y="2007663"/>
+            <a:off x="464313" y="2270309"/>
             <a:ext cx="4031488" cy="4206240"/>
           </a:xfrm>
         </p:spPr>
@@ -7000,6 +7000,15 @@
               <a:rPr lang="en-US" sz="2000" dirty="0"/>
               <a:t>Navigation</a:t>
             </a:r>
+          </a:p>
+          <a:p>
+            <a:r>
+              <a:rPr lang="en-US" sz="2000" dirty="0"/>
+              <a:t>Chart.js (New library)</a:t>
+            </a:r>
+          </a:p>
+          <a:p>
+            <a:endParaRPr lang="en-US" sz="2000" dirty="0"/>
           </a:p>
         </p:txBody>
       </p:sp>
@@ -7303,275 +7312,6 @@
           </a:p>
         </p:txBody>
       </p:sp>
-      <p:sp>
-        <p:nvSpPr>
-          <p:cNvPr id="6" name="Content Placeholder 2">
-            <a:extLst>
-              <a:ext uri="{FF2B5EF4-FFF2-40B4-BE49-F238E27FC236}">
-                <a16:creationId xmlns:a16="http://schemas.microsoft.com/office/drawing/2014/main" id="{3B086B9D-3141-4C4C-8551-2A520AD240F0}"/>
-              </a:ext>
-            </a:extLst>
-          </p:cNvPr>
-          <p:cNvSpPr txBox="1">
-            <a:spLocks/>
-          </p:cNvSpPr>
-          <p:nvPr/>
-        </p:nvSpPr>
-        <p:spPr>
-          <a:xfrm>
-            <a:off x="669519" y="1983546"/>
-            <a:ext cx="2378481" cy="4206240"/>
-          </a:xfrm>
-          <a:prstGeom prst="rect">
-            <a:avLst/>
-          </a:prstGeom>
-        </p:spPr>
-        <p:txBody>
-          <a:bodyPr vert="horz" lIns="91440" tIns="45720" rIns="91440" bIns="45720" rtlCol="0">
-            <a:normAutofit/>
-          </a:bodyPr>
-          <a:lstStyle>
-            <a:lvl1pPr marL="182880" indent="-182880" algn="l" defTabSz="914400" rtl="0" eaLnBrk="1" latinLnBrk="0" hangingPunct="1">
-              <a:lnSpc>
-                <a:spcPct val="90000"/>
-              </a:lnSpc>
-              <a:spcBef>
-                <a:spcPts val="1200"/>
-              </a:spcBef>
-              <a:spcAft>
-                <a:spcPts val="200"/>
-              </a:spcAft>
-              <a:buClr>
-                <a:schemeClr val="tx1"/>
-              </a:buClr>
-              <a:buFont typeface="Wingdings" pitchFamily="2" charset="2"/>
-              <a:buChar char=""/>
-              <a:defRPr sz="2200" kern="1200">
-                <a:solidFill>
-                  <a:schemeClr val="tx1"/>
-                </a:solidFill>
-                <a:latin typeface="+mn-lt"/>
-                <a:ea typeface="+mn-ea"/>
-                <a:cs typeface="+mn-cs"/>
-              </a:defRPr>
-            </a:lvl1pPr>
-            <a:lvl2pPr marL="411480" indent="-182880" algn="l" defTabSz="914400" rtl="0" eaLnBrk="1" latinLnBrk="0" hangingPunct="1">
-              <a:lnSpc>
-                <a:spcPct val="90000"/>
-              </a:lnSpc>
-              <a:spcBef>
-                <a:spcPts val="200"/>
-              </a:spcBef>
-              <a:spcAft>
-                <a:spcPts val="400"/>
-              </a:spcAft>
-              <a:buClr>
-                <a:schemeClr val="tx1"/>
-              </a:buClr>
-              <a:buFont typeface="Wingdings" pitchFamily="2" charset="2"/>
-              <a:buChar char=""/>
-              <a:defRPr sz="2000" kern="1200">
-                <a:solidFill>
-                  <a:schemeClr val="tx1"/>
-                </a:solidFill>
-                <a:latin typeface="+mn-lt"/>
-                <a:ea typeface="+mn-ea"/>
-                <a:cs typeface="+mn-cs"/>
-              </a:defRPr>
-            </a:lvl2pPr>
-            <a:lvl3pPr marL="640080" indent="-182880" algn="l" defTabSz="914400" rtl="0" eaLnBrk="1" latinLnBrk="0" hangingPunct="1">
-              <a:lnSpc>
-                <a:spcPct val="90000"/>
-              </a:lnSpc>
-              <a:spcBef>
-                <a:spcPts val="200"/>
-              </a:spcBef>
-              <a:spcAft>
-                <a:spcPts val="400"/>
-              </a:spcAft>
-              <a:buClr>
-                <a:schemeClr val="tx1"/>
-              </a:buClr>
-              <a:buFont typeface="Wingdings" pitchFamily="2" charset="2"/>
-              <a:buChar char=""/>
-              <a:defRPr sz="1800" kern="1200">
-                <a:solidFill>
-                  <a:schemeClr val="tx1"/>
-                </a:solidFill>
-                <a:latin typeface="+mn-lt"/>
-                <a:ea typeface="+mn-ea"/>
-                <a:cs typeface="+mn-cs"/>
-              </a:defRPr>
-            </a:lvl3pPr>
-            <a:lvl4pPr marL="868680" indent="-182880" algn="l" defTabSz="914400" rtl="0" eaLnBrk="1" latinLnBrk="0" hangingPunct="1">
-              <a:lnSpc>
-                <a:spcPct val="90000"/>
-              </a:lnSpc>
-              <a:spcBef>
-                <a:spcPts val="200"/>
-              </a:spcBef>
-              <a:spcAft>
-                <a:spcPts val="400"/>
-              </a:spcAft>
-              <a:buClr>
-                <a:schemeClr val="tx1"/>
-              </a:buClr>
-              <a:buFont typeface="Wingdings" pitchFamily="2" charset="2"/>
-              <a:buChar char=""/>
-              <a:defRPr sz="1600" kern="1200">
-                <a:solidFill>
-                  <a:schemeClr val="tx1"/>
-                </a:solidFill>
-                <a:latin typeface="+mn-lt"/>
-                <a:ea typeface="+mn-ea"/>
-                <a:cs typeface="+mn-cs"/>
-              </a:defRPr>
-            </a:lvl4pPr>
-            <a:lvl5pPr marL="1097280" indent="-182880" algn="l" defTabSz="914400" rtl="0" eaLnBrk="1" latinLnBrk="0" hangingPunct="1">
-              <a:lnSpc>
-                <a:spcPct val="90000"/>
-              </a:lnSpc>
-              <a:spcBef>
-                <a:spcPts val="200"/>
-              </a:spcBef>
-              <a:spcAft>
-                <a:spcPts val="400"/>
-              </a:spcAft>
-              <a:buClr>
-                <a:schemeClr val="tx1"/>
-              </a:buClr>
-              <a:buFont typeface="Wingdings" pitchFamily="2" charset="2"/>
-              <a:buChar char=""/>
-              <a:defRPr sz="1600" kern="1200">
-                <a:solidFill>
-                  <a:schemeClr val="tx1"/>
-                </a:solidFill>
-                <a:latin typeface="+mn-lt"/>
-                <a:ea typeface="+mn-ea"/>
-                <a:cs typeface="+mn-cs"/>
-              </a:defRPr>
-            </a:lvl5pPr>
-            <a:lvl6pPr marL="1284600" indent="-228600" algn="l" defTabSz="914400" rtl="0" eaLnBrk="1" latinLnBrk="0" hangingPunct="1">
-              <a:lnSpc>
-                <a:spcPct val="90000"/>
-              </a:lnSpc>
-              <a:spcBef>
-                <a:spcPts val="200"/>
-              </a:spcBef>
-              <a:spcAft>
-                <a:spcPts val="400"/>
-              </a:spcAft>
-              <a:buClr>
-                <a:schemeClr val="tx1"/>
-              </a:buClr>
-              <a:buFont typeface="Wingdings" pitchFamily="2" charset="2"/>
-              <a:buChar char=""/>
-              <a:defRPr sz="1600" kern="1200">
-                <a:solidFill>
-                  <a:schemeClr val="tx1"/>
-                </a:solidFill>
-                <a:latin typeface="+mn-lt"/>
-                <a:ea typeface="+mn-ea"/>
-                <a:cs typeface="+mn-cs"/>
-              </a:defRPr>
-            </a:lvl6pPr>
-            <a:lvl7pPr marL="1471800" indent="-228600" algn="l" defTabSz="914400" rtl="0" eaLnBrk="1" latinLnBrk="0" hangingPunct="1">
-              <a:lnSpc>
-                <a:spcPct val="90000"/>
-              </a:lnSpc>
-              <a:spcBef>
-                <a:spcPts val="200"/>
-              </a:spcBef>
-              <a:spcAft>
-                <a:spcPts val="400"/>
-              </a:spcAft>
-              <a:buClr>
-                <a:schemeClr val="tx1"/>
-              </a:buClr>
-              <a:buFont typeface="Wingdings" pitchFamily="2" charset="2"/>
-              <a:buChar char=""/>
-              <a:defRPr sz="1600" kern="1200">
-                <a:solidFill>
-                  <a:schemeClr val="tx1"/>
-                </a:solidFill>
-                <a:latin typeface="+mn-lt"/>
-                <a:ea typeface="+mn-ea"/>
-                <a:cs typeface="+mn-cs"/>
-              </a:defRPr>
-            </a:lvl7pPr>
-            <a:lvl8pPr marL="1629000" indent="-228600" algn="l" defTabSz="914400" rtl="0" eaLnBrk="1" latinLnBrk="0" hangingPunct="1">
-              <a:lnSpc>
-                <a:spcPct val="90000"/>
-              </a:lnSpc>
-              <a:spcBef>
-                <a:spcPts val="200"/>
-              </a:spcBef>
-              <a:spcAft>
-                <a:spcPts val="400"/>
-              </a:spcAft>
-              <a:buClr>
-                <a:schemeClr val="tx1"/>
-              </a:buClr>
-              <a:buFont typeface="Wingdings" pitchFamily="2" charset="2"/>
-              <a:buChar char=""/>
-              <a:defRPr sz="1600" kern="1200">
-                <a:solidFill>
-                  <a:schemeClr val="tx1"/>
-                </a:solidFill>
-                <a:latin typeface="+mn-lt"/>
-                <a:ea typeface="+mn-ea"/>
-                <a:cs typeface="+mn-cs"/>
-              </a:defRPr>
-            </a:lvl8pPr>
-            <a:lvl9pPr marL="1806200" indent="-228600" algn="l" defTabSz="914400" rtl="0" eaLnBrk="1" latinLnBrk="0" hangingPunct="1">
-              <a:lnSpc>
-                <a:spcPct val="90000"/>
-              </a:lnSpc>
-              <a:spcBef>
-                <a:spcPts val="200"/>
-              </a:spcBef>
-              <a:spcAft>
-                <a:spcPts val="400"/>
-              </a:spcAft>
-              <a:buClr>
-                <a:schemeClr val="tx1"/>
-              </a:buClr>
-              <a:buFont typeface="Wingdings" pitchFamily="2" charset="2"/>
-              <a:buChar char=""/>
-              <a:defRPr sz="1600" kern="1200">
-                <a:solidFill>
-                  <a:schemeClr val="tx1"/>
-                </a:solidFill>
-                <a:latin typeface="+mn-lt"/>
-                <a:ea typeface="+mn-ea"/>
-                <a:cs typeface="+mn-cs"/>
-              </a:defRPr>
-            </a:lvl9pPr>
-          </a:lstStyle>
-          <a:p>
-            <a:pPr marL="0" indent="0">
-              <a:buFont typeface="Wingdings" pitchFamily="2" charset="2"/>
-              <a:buNone/>
-            </a:pPr>
-            <a:r>
-              <a:rPr lang="en-US" dirty="0"/>
-              <a:t>HTML Templates</a:t>
-            </a:r>
-          </a:p>
-          <a:p>
-            <a:r>
-              <a:rPr lang="en-US" sz="2000" dirty="0"/>
-              <a:t>Bootstrap</a:t>
-            </a:r>
-          </a:p>
-          <a:p>
-            <a:r>
-              <a:rPr lang="en-US" sz="2000" dirty="0"/>
-              <a:t>CSS styling</a:t>
-            </a:r>
-          </a:p>
-        </p:txBody>
-      </p:sp>
       <p:pic>
         <p:nvPicPr>
           <p:cNvPr id="7" name="Picture 6">
@@ -7594,38 +7334,8 @@
         </p:blipFill>
         <p:spPr>
           <a:xfrm>
-            <a:off x="3760820" y="3768748"/>
-            <a:ext cx="3249579" cy="2977479"/>
-          </a:xfrm>
-          <a:prstGeom prst="rect">
-            <a:avLst/>
-          </a:prstGeom>
-        </p:spPr>
-      </p:pic>
-      <p:pic>
-        <p:nvPicPr>
-          <p:cNvPr id="8" name="Picture 7">
-            <a:extLst>
-              <a:ext uri="{FF2B5EF4-FFF2-40B4-BE49-F238E27FC236}">
-                <a16:creationId xmlns:a16="http://schemas.microsoft.com/office/drawing/2014/main" id="{65C9FDC0-7C8A-446F-9567-CE34C5FF554F}"/>
-              </a:ext>
-            </a:extLst>
-          </p:cNvPr>
-          <p:cNvPicPr>
-            <a:picLocks noChangeAspect="1"/>
-          </p:cNvPicPr>
-          <p:nvPr/>
-        </p:nvPicPr>
-        <p:blipFill>
-          <a:blip r:embed="rId5"/>
-          <a:stretch>
-            <a:fillRect/>
-          </a:stretch>
-        </p:blipFill>
-        <p:spPr>
-          <a:xfrm>
-            <a:off x="491921" y="3383902"/>
-            <a:ext cx="2733675" cy="3362325"/>
+            <a:off x="3352800" y="2930722"/>
+            <a:ext cx="3869866" cy="3545827"/>
           </a:xfrm>
           <a:prstGeom prst="rect">
             <a:avLst/>

--- a/State of the Sun_Group1 PPT_032018.pptx
+++ b/State of the Sun_Group1 PPT_032018.pptx
@@ -238,7 +238,7 @@
           <a:p>
             <a:fld id="{20EA5F0D-C1DC-412F-A146-DDB3A74B588F}" type="datetimeFigureOut">
               <a:rPr lang="en-US"/>
-              <a:t>3/20/2018</a:t>
+              <a:t>3/24/2018</a:t>
             </a:fld>
             <a:endParaRPr/>
           </a:p>
@@ -403,7 +403,7 @@
           <a:p>
             <a:fld id="{A8CDE508-72C8-4AB5-AA9C-1584D31690E0}" type="datetimeFigureOut">
               <a:rPr lang="en-US"/>
-              <a:t>3/20/2018</a:t>
+              <a:t>3/24/2018</a:t>
             </a:fld>
             <a:endParaRPr/>
           </a:p>
@@ -1383,7 +1383,7 @@
             <a:fld id="{B61BEF0D-F0BB-DE4B-95CE-6DB70DBA9567}" type="datetimeFigureOut">
               <a:rPr lang="en-US" smtClean="0"/>
               <a:pPr/>
-              <a:t>3/20/2018</a:t>
+              <a:t>3/24/2018</a:t>
             </a:fld>
             <a:endParaRPr lang="en-US" dirty="0"/>
           </a:p>
@@ -1566,7 +1566,7 @@
           <a:p>
             <a:fld id="{9E583DDF-CA54-461A-A486-592D2374C532}" type="datetimeFigureOut">
               <a:rPr lang="en-US" smtClean="0"/>
-              <a:t>3/20/2018</a:t>
+              <a:t>3/24/2018</a:t>
             </a:fld>
             <a:endParaRPr lang="en-US"/>
           </a:p>
@@ -1801,7 +1801,7 @@
           <a:p>
             <a:fld id="{9E583DDF-CA54-461A-A486-592D2374C532}" type="datetimeFigureOut">
               <a:rPr lang="en-US" smtClean="0"/>
-              <a:t>3/20/2018</a:t>
+              <a:t>3/24/2018</a:t>
             </a:fld>
             <a:endParaRPr lang="en-US"/>
           </a:p>
@@ -1993,7 +1993,7 @@
           <a:p>
             <a:fld id="{9E583DDF-CA54-461A-A486-592D2374C532}" type="datetimeFigureOut">
               <a:rPr lang="en-US" smtClean="0"/>
-              <a:t>3/20/2018</a:t>
+              <a:t>3/24/2018</a:t>
             </a:fld>
             <a:endParaRPr lang="en-US" dirty="0"/>
           </a:p>
@@ -2311,7 +2311,7 @@
           <a:p>
             <a:fld id="{9E583DDF-CA54-461A-A486-592D2374C532}" type="datetimeFigureOut">
               <a:rPr lang="en-US" smtClean="0"/>
-              <a:t>3/20/2018</a:t>
+              <a:t>3/24/2018</a:t>
             </a:fld>
             <a:endParaRPr lang="en-US"/>
           </a:p>
@@ -2627,7 +2627,7 @@
           <a:p>
             <a:fld id="{9DD7D43D-6574-4C7B-808D-C6C12215A4D4}" type="datetimeFigureOut">
               <a:rPr lang="en-US" smtClean="0"/>
-              <a:t>3/20/2018</a:t>
+              <a:t>3/24/2018</a:t>
             </a:fld>
             <a:endParaRPr lang="en-US"/>
           </a:p>
@@ -3061,7 +3061,7 @@
           <a:p>
             <a:fld id="{9E583DDF-CA54-461A-A486-592D2374C532}" type="datetimeFigureOut">
               <a:rPr lang="en-US" smtClean="0"/>
-              <a:t>3/20/2018</a:t>
+              <a:t>3/24/2018</a:t>
             </a:fld>
             <a:endParaRPr lang="en-US"/>
           </a:p>
@@ -3191,7 +3191,7 @@
           <a:p>
             <a:fld id="{9E583DDF-CA54-461A-A486-592D2374C532}" type="datetimeFigureOut">
               <a:rPr lang="en-US" smtClean="0"/>
-              <a:t>3/20/2018</a:t>
+              <a:t>3/24/2018</a:t>
             </a:fld>
             <a:endParaRPr lang="en-US"/>
           </a:p>
@@ -3299,7 +3299,7 @@
             <a:fld id="{9E583DDF-CA54-461A-A486-592D2374C532}" type="datetimeFigureOut">
               <a:rPr lang="en-US" smtClean="0"/>
               <a:pPr/>
-              <a:t>3/20/2018</a:t>
+              <a:t>3/24/2018</a:t>
             </a:fld>
             <a:endParaRPr lang="en-US"/>
           </a:p>
@@ -3585,7 +3585,7 @@
           <a:p>
             <a:fld id="{9E583DDF-CA54-461A-A486-592D2374C532}" type="datetimeFigureOut">
               <a:rPr lang="en-US" smtClean="0"/>
-              <a:t>3/20/2018</a:t>
+              <a:t>3/24/2018</a:t>
             </a:fld>
             <a:endParaRPr lang="en-US"/>
           </a:p>
@@ -3862,7 +3862,7 @@
           <a:p>
             <a:fld id="{9E583DDF-CA54-461A-A486-592D2374C532}" type="datetimeFigureOut">
               <a:rPr lang="en-US" smtClean="0"/>
-              <a:t>3/20/2018</a:t>
+              <a:t>3/24/2018</a:t>
             </a:fld>
             <a:endParaRPr lang="en-US"/>
           </a:p>
@@ -4124,7 +4124,7 @@
             <a:fld id="{9E583DDF-CA54-461A-A486-592D2374C532}" type="datetimeFigureOut">
               <a:rPr lang="en-US" smtClean="0"/>
               <a:pPr/>
-              <a:t>3/20/2018</a:t>
+              <a:t>3/24/2018</a:t>
             </a:fld>
             <a:endParaRPr lang="en-US" dirty="0"/>
           </a:p>
@@ -4848,13 +4848,13 @@
   <p:clrMapOvr>
     <a:masterClrMapping/>
   </p:clrMapOvr>
-  <mc:AlternateContent xmlns:mc="http://schemas.openxmlformats.org/markup-compatibility/2006">
-    <mc:Choice xmlns:p14="http://schemas.microsoft.com/office/powerpoint/2010/main" Requires="p14">
+  <mc:AlternateContent xmlns:mc="http://schemas.openxmlformats.org/markup-compatibility/2006" xmlns:p14="http://schemas.microsoft.com/office/powerpoint/2010/main">
+    <mc:Choice Requires="p14">
       <p:transition spd="med" p14:dur="700">
         <p:fade/>
       </p:transition>
     </mc:Choice>
-    <mc:Fallback>
+    <mc:Fallback xmlns="">
       <p:transition spd="med">
         <p:fade/>
       </p:transition>
@@ -7704,10 +7704,10 @@
       </p:sp>
       <p:sp>
         <p:nvSpPr>
-          <p:cNvPr id="3" name="Content Placeholder 2">
+          <p:cNvPr id="6" name="Content Placeholder 2">
             <a:extLst>
               <a:ext uri="{FF2B5EF4-FFF2-40B4-BE49-F238E27FC236}">
-                <a16:creationId xmlns:a16="http://schemas.microsoft.com/office/drawing/2014/main" id="{695AA8A3-ECEB-4623-8F55-4E0C1490DF04}"/>
+                <a16:creationId xmlns:a16="http://schemas.microsoft.com/office/drawing/2014/main" id="{D191A9ED-28A6-4E37-A4A7-6E679B3B5149}"/>
               </a:ext>
             </a:extLst>
           </p:cNvPr>
@@ -7718,10 +7718,15 @@
             <p:ph idx="1"/>
           </p:nvPr>
         </p:nvSpPr>
-        <p:spPr/>
+        <p:spPr>
+          <a:xfrm>
+            <a:off x="1066800" y="2057400"/>
+            <a:ext cx="9784080" cy="4206240"/>
+          </a:xfrm>
+        </p:spPr>
         <p:txBody>
           <a:bodyPr>
-            <a:normAutofit lnSpcReduction="10000"/>
+            <a:normAutofit fontScale="62500" lnSpcReduction="20000"/>
           </a:bodyPr>
           <a:lstStyle/>
           <a:p>
@@ -7737,6 +7742,18 @@
             <a:endParaRPr lang="en-US" dirty="0"/>
           </a:p>
           <a:p>
+            <a:pPr marL="0" indent="0" algn="ctr">
+              <a:buNone/>
+            </a:pPr>
+            <a:r>
+              <a:rPr lang="en-US" sz="9400" dirty="0">
+                <a:hlinkClick r:id="rId2"/>
+              </a:rPr>
+              <a:t>State of the Sun</a:t>
+            </a:r>
+            <a:endParaRPr lang="en-US" sz="9400" dirty="0"/>
+          </a:p>
+          <a:p>
             <a:pPr marL="0" indent="0">
               <a:buNone/>
             </a:pPr>
@@ -7776,9 +7793,15 @@
             <a:pPr marL="0" indent="0">
               <a:buNone/>
             </a:pPr>
-            <a:r>
-              <a:rPr lang="en-US" dirty="0"/>
-              <a:t>(Why are you still here)</a:t>
+            <a:endParaRPr lang="en-US" dirty="0"/>
+          </a:p>
+          <a:p>
+            <a:pPr marL="0" indent="0">
+              <a:buNone/>
+            </a:pPr>
+            <a:r>
+              <a:rPr lang="en-US" sz="2900" dirty="0"/>
+              <a:t>(Why are you still here?)</a:t>
             </a:r>
           </a:p>
         </p:txBody>

--- a/State of the Sun_Group1 PPT_032018.pptx
+++ b/State of the Sun_Group1 PPT_032018.pptx
@@ -6579,7 +6579,7 @@
         </p:blipFill>
         <p:spPr>
           <a:xfrm>
-            <a:off x="6094959" y="2438400"/>
+            <a:off x="5562600" y="2473036"/>
             <a:ext cx="4031488" cy="3779520"/>
           </a:xfrm>
           <a:prstGeom prst="rect">
@@ -6608,7 +6608,7 @@
         </p:blipFill>
         <p:spPr>
           <a:xfrm>
-            <a:off x="609600" y="2575560"/>
+            <a:off x="375712" y="2603269"/>
             <a:ext cx="4819650" cy="3505200"/>
           </a:xfrm>
           <a:prstGeom prst="rect">
@@ -6632,7 +6632,7 @@
         </p:nvSpPr>
         <p:spPr>
           <a:xfrm>
-            <a:off x="10363200" y="3124200"/>
+            <a:off x="9905908" y="2961945"/>
             <a:ext cx="3445281" cy="4206240"/>
           </a:xfrm>
           <a:prstGeom prst="rect">
